--- a/docs/3. Presentation.pptx
+++ b/docs/3. Presentation.pptx
@@ -1660,6 +1660,13 @@
         </dgm:presLayoutVars>
       </dgm:prSet>
       <dgm:spPr/>
+      <dgm:t>
+        <a:bodyPr/>
+        <a:lstStyle/>
+        <a:p>
+          <a:endParaRPr lang="en-GB"/>
+        </a:p>
+      </dgm:t>
     </dgm:pt>
     <dgm:pt modelId="{FC5F6F77-B7FA-42A8-A5AB-A68DF185EC9E}" type="pres">
       <dgm:prSet presAssocID="{E596B934-41BB-456A-999C-94FBAF2A9EE4}" presName="compNode" presStyleCnt="0"/>
@@ -1676,10 +1683,24 @@
         </dgm:presLayoutVars>
       </dgm:prSet>
       <dgm:spPr/>
+      <dgm:t>
+        <a:bodyPr/>
+        <a:lstStyle/>
+        <a:p>
+          <a:endParaRPr lang="en-GB"/>
+        </a:p>
+      </dgm:t>
     </dgm:pt>
     <dgm:pt modelId="{C725974C-68C0-4DF4-A434-B434F56521F9}" type="pres">
       <dgm:prSet presAssocID="{20F91ED6-1205-447F-9784-1715E6E226D9}" presName="sibTrans" presStyleLbl="bgSibTrans2D1" presStyleIdx="0" presStyleCnt="8"/>
       <dgm:spPr/>
+      <dgm:t>
+        <a:bodyPr/>
+        <a:lstStyle/>
+        <a:p>
+          <a:endParaRPr lang="en-GB"/>
+        </a:p>
+      </dgm:t>
     </dgm:pt>
     <dgm:pt modelId="{378D2461-B4EE-4B2D-BA81-519E70D02F49}" type="pres">
       <dgm:prSet presAssocID="{A8480530-E600-4685-8224-5E4DCA0346D4}" presName="compNode" presStyleCnt="0"/>
@@ -1696,10 +1717,24 @@
         </dgm:presLayoutVars>
       </dgm:prSet>
       <dgm:spPr/>
+      <dgm:t>
+        <a:bodyPr/>
+        <a:lstStyle/>
+        <a:p>
+          <a:endParaRPr lang="en-GB"/>
+        </a:p>
+      </dgm:t>
     </dgm:pt>
     <dgm:pt modelId="{4100F61F-A045-4691-9A90-5AA953412804}" type="pres">
       <dgm:prSet presAssocID="{26EC3FB2-4F74-46A0-8310-377E459C8AB5}" presName="sibTrans" presStyleLbl="bgSibTrans2D1" presStyleIdx="1" presStyleCnt="8"/>
       <dgm:spPr/>
+      <dgm:t>
+        <a:bodyPr/>
+        <a:lstStyle/>
+        <a:p>
+          <a:endParaRPr lang="en-GB"/>
+        </a:p>
+      </dgm:t>
     </dgm:pt>
     <dgm:pt modelId="{B93F2EC4-DB29-4AE4-8E68-B2C2D939D630}" type="pres">
       <dgm:prSet presAssocID="{A4845464-B621-44D0-9C58-F5553D561618}" presName="compNode" presStyleCnt="0"/>
@@ -1716,10 +1751,24 @@
         </dgm:presLayoutVars>
       </dgm:prSet>
       <dgm:spPr/>
+      <dgm:t>
+        <a:bodyPr/>
+        <a:lstStyle/>
+        <a:p>
+          <a:endParaRPr lang="en-GB"/>
+        </a:p>
+      </dgm:t>
     </dgm:pt>
     <dgm:pt modelId="{93993604-C39A-447C-9E78-3C08FF06E3E2}" type="pres">
       <dgm:prSet presAssocID="{F08A21A6-2591-45FB-98E1-8D891A950533}" presName="sibTrans" presStyleLbl="bgSibTrans2D1" presStyleIdx="2" presStyleCnt="8"/>
       <dgm:spPr/>
+      <dgm:t>
+        <a:bodyPr/>
+        <a:lstStyle/>
+        <a:p>
+          <a:endParaRPr lang="en-GB"/>
+        </a:p>
+      </dgm:t>
     </dgm:pt>
     <dgm:pt modelId="{838DA470-E743-4F2B-AF08-28B2274416A4}" type="pres">
       <dgm:prSet presAssocID="{90FCCB6B-9E6A-451F-81D5-2EC5D1B89BBC}" presName="compNode" presStyleCnt="0"/>
@@ -1736,10 +1785,24 @@
         </dgm:presLayoutVars>
       </dgm:prSet>
       <dgm:spPr/>
+      <dgm:t>
+        <a:bodyPr/>
+        <a:lstStyle/>
+        <a:p>
+          <a:endParaRPr lang="en-GB"/>
+        </a:p>
+      </dgm:t>
     </dgm:pt>
     <dgm:pt modelId="{BBF9563E-6356-4970-A07E-B5DCE2C72AF8}" type="pres">
       <dgm:prSet presAssocID="{1F82FA9B-81DA-403C-8FAD-7DFA1EC4F461}" presName="sibTrans" presStyleLbl="bgSibTrans2D1" presStyleIdx="3" presStyleCnt="8"/>
       <dgm:spPr/>
+      <dgm:t>
+        <a:bodyPr/>
+        <a:lstStyle/>
+        <a:p>
+          <a:endParaRPr lang="en-GB"/>
+        </a:p>
+      </dgm:t>
     </dgm:pt>
     <dgm:pt modelId="{BD82D48A-86E8-469A-9298-2118BB70A254}" type="pres">
       <dgm:prSet presAssocID="{B012D3E9-FE0B-40DE-8B3B-BDA8AEB3B3BD}" presName="compNode" presStyleCnt="0"/>
@@ -1767,6 +1830,13 @@
     <dgm:pt modelId="{82B9AD4B-7BB3-435F-98BD-FEBC356E0B64}" type="pres">
       <dgm:prSet presAssocID="{444115E9-9400-486D-BF66-4AFB2D672392}" presName="sibTrans" presStyleLbl="bgSibTrans2D1" presStyleIdx="4" presStyleCnt="8"/>
       <dgm:spPr/>
+      <dgm:t>
+        <a:bodyPr/>
+        <a:lstStyle/>
+        <a:p>
+          <a:endParaRPr lang="en-GB"/>
+        </a:p>
+      </dgm:t>
     </dgm:pt>
     <dgm:pt modelId="{DF935DF4-452C-43D4-B522-6BBC2D4B3209}" type="pres">
       <dgm:prSet presAssocID="{838D3BD2-249A-43C6-BB1B-1559787E29C3}" presName="compNode" presStyleCnt="0"/>
@@ -1783,10 +1853,24 @@
         </dgm:presLayoutVars>
       </dgm:prSet>
       <dgm:spPr/>
+      <dgm:t>
+        <a:bodyPr/>
+        <a:lstStyle/>
+        <a:p>
+          <a:endParaRPr lang="en-GB"/>
+        </a:p>
+      </dgm:t>
     </dgm:pt>
     <dgm:pt modelId="{0F80D5EF-DB82-43BB-B7A8-30427AB79EDE}" type="pres">
       <dgm:prSet presAssocID="{0B815773-768F-4590-9517-974DC043C4BA}" presName="sibTrans" presStyleLbl="bgSibTrans2D1" presStyleIdx="5" presStyleCnt="8"/>
       <dgm:spPr/>
+      <dgm:t>
+        <a:bodyPr/>
+        <a:lstStyle/>
+        <a:p>
+          <a:endParaRPr lang="en-GB"/>
+        </a:p>
+      </dgm:t>
     </dgm:pt>
     <dgm:pt modelId="{BF0A1FC9-383B-4305-B878-5BF217D7324B}" type="pres">
       <dgm:prSet presAssocID="{EAD29704-C5CC-4971-B03B-4BDCC1DD2757}" presName="compNode" presStyleCnt="0"/>
@@ -1803,10 +1887,24 @@
         </dgm:presLayoutVars>
       </dgm:prSet>
       <dgm:spPr/>
+      <dgm:t>
+        <a:bodyPr/>
+        <a:lstStyle/>
+        <a:p>
+          <a:endParaRPr lang="en-GB"/>
+        </a:p>
+      </dgm:t>
     </dgm:pt>
     <dgm:pt modelId="{0C53D1C3-8829-4872-8AB8-68043B0240A4}" type="pres">
       <dgm:prSet presAssocID="{5432D8F9-11D4-4A97-8227-37D3B93B5B17}" presName="sibTrans" presStyleLbl="bgSibTrans2D1" presStyleIdx="6" presStyleCnt="8"/>
       <dgm:spPr/>
+      <dgm:t>
+        <a:bodyPr/>
+        <a:lstStyle/>
+        <a:p>
+          <a:endParaRPr lang="en-GB"/>
+        </a:p>
+      </dgm:t>
     </dgm:pt>
     <dgm:pt modelId="{AC88D752-655B-46ED-9474-A27B95CB7091}" type="pres">
       <dgm:prSet presAssocID="{E7D8DC34-087B-470E-A257-36B840BC5B7A}" presName="compNode" presStyleCnt="0"/>
@@ -1823,10 +1921,24 @@
         </dgm:presLayoutVars>
       </dgm:prSet>
       <dgm:spPr/>
+      <dgm:t>
+        <a:bodyPr/>
+        <a:lstStyle/>
+        <a:p>
+          <a:endParaRPr lang="en-GB"/>
+        </a:p>
+      </dgm:t>
     </dgm:pt>
     <dgm:pt modelId="{8A3D054B-A92F-4F59-AC96-CEF7D3CC0487}" type="pres">
       <dgm:prSet presAssocID="{D2532C20-3842-4F48-8958-B89ACEAF7C80}" presName="sibTrans" presStyleLbl="bgSibTrans2D1" presStyleIdx="7" presStyleCnt="8"/>
       <dgm:spPr/>
+      <dgm:t>
+        <a:bodyPr/>
+        <a:lstStyle/>
+        <a:p>
+          <a:endParaRPr lang="en-GB"/>
+        </a:p>
+      </dgm:t>
     </dgm:pt>
     <dgm:pt modelId="{A846AA0F-7179-4DE4-87D1-D81AC0C6FAA9}" type="pres">
       <dgm:prSet presAssocID="{EB9C5500-12F1-481B-917F-233AAB7E72B0}" presName="compNode" presStyleCnt="0"/>
@@ -1843,6 +1955,13 @@
         </dgm:presLayoutVars>
       </dgm:prSet>
       <dgm:spPr/>
+      <dgm:t>
+        <a:bodyPr/>
+        <a:lstStyle/>
+        <a:p>
+          <a:endParaRPr lang="en-GB"/>
+        </a:p>
+      </dgm:t>
     </dgm:pt>
   </dgm:ptLst>
   <dgm:cxnLst>
@@ -11898,11 +12017,7 @@
             </a:r>
             <a:r>
               <a:rPr lang="hu-HU" sz="6600" dirty="0" smtClean="0"/>
-              <a:t>szavazó </a:t>
-            </a:r>
-            <a:r>
-              <a:rPr lang="hu-HU" sz="6600" dirty="0" smtClean="0"/>
-              <a:t>rendszer</a:t>
+              <a:t>szavazó rendszer</a:t>
             </a:r>
             <a:endParaRPr lang="en-US" sz="6600" dirty="0"/>
           </a:p>
@@ -11933,11 +12048,7 @@
             <a:pPr algn="ctr"/>
             <a:r>
               <a:rPr lang="hu-HU" sz="2800" dirty="0" smtClean="0"/>
-              <a:t>Barta </a:t>
-            </a:r>
-            <a:r>
-              <a:rPr lang="hu-HU" sz="2800" dirty="0" smtClean="0"/>
-              <a:t>Ágnes és Cseppentő Lajos</a:t>
+              <a:t>Barta Ágnes és Cseppentő Lajos</a:t>
             </a:r>
             <a:endParaRPr lang="hu-HU" sz="2800" dirty="0"/>
           </a:p>
@@ -13637,11 +13748,7 @@
             </a:r>
             <a:r>
               <a:rPr lang="hu-HU" sz="2800" dirty="0" smtClean="0"/>
-              <a:t>szavazó </a:t>
-            </a:r>
-            <a:r>
-              <a:rPr lang="hu-HU" sz="2800" dirty="0" smtClean="0"/>
-              <a:t>rendszer elkészítése</a:t>
+              <a:t>szavazó rendszer elkészítése</a:t>
             </a:r>
           </a:p>
           <a:p>
@@ -13662,11 +13769,7 @@
             <a:pPr lvl="1"/>
             <a:r>
               <a:rPr lang="hu-HU" sz="2400" dirty="0" smtClean="0"/>
-              <a:t>Jelölések </a:t>
-            </a:r>
-            <a:r>
-              <a:rPr lang="hu-HU" sz="2400" dirty="0" smtClean="0"/>
-              <a:t>leadása</a:t>
+              <a:t>Jelölések leadása</a:t>
             </a:r>
             <a:r>
               <a:rPr lang="en-GB" sz="2400" dirty="0" smtClean="0"/>
@@ -13737,15 +13840,7 @@
           <a:p>
             <a:r>
               <a:rPr lang="hu-HU" sz="2800" dirty="0" smtClean="0"/>
-              <a:t>Jól </a:t>
-            </a:r>
-            <a:r>
-              <a:rPr lang="hu-HU" sz="2800" dirty="0" smtClean="0"/>
-              <a:t>skálázható rendszer </a:t>
-            </a:r>
-            <a:r>
-              <a:rPr lang="hu-HU" sz="2800" dirty="0" smtClean="0"/>
-              <a:t>elkészítés</a:t>
+              <a:t>Jól skálázható rendszer elkészítés</a:t>
             </a:r>
             <a:r>
               <a:rPr lang="en-GB" sz="2800" dirty="0" smtClean="0"/>
@@ -14454,7 +14549,6 @@
               <a:rPr lang="en-GB" sz="2600" dirty="0" smtClean="0"/>
               <a:t>?</a:t>
             </a:r>
-            <a:endParaRPr lang="en-GB" sz="2600" dirty="0" smtClean="0"/>
           </a:p>
           <a:p>
             <a:endParaRPr lang="hu-HU" sz="2600" dirty="0"/>
@@ -14730,7 +14824,6 @@
               <a:rPr lang="en-GB" sz="2600" dirty="0" smtClean="0"/>
               <a:t>?</a:t>
             </a:r>
-            <a:endParaRPr lang="en-GB" sz="2600" dirty="0" smtClean="0"/>
           </a:p>
           <a:p>
             <a:endParaRPr lang="hu-HU" sz="2600" dirty="0"/>
@@ -15608,15 +15701,7 @@
             </a:r>
             <a:r>
               <a:rPr lang="hu-HU" sz="2800" dirty="0" smtClean="0"/>
-              <a:t> </a:t>
-            </a:r>
-            <a:r>
-              <a:rPr lang="hu-HU" sz="2800" dirty="0" smtClean="0"/>
-              <a:t>tervezési </a:t>
-            </a:r>
-            <a:r>
-              <a:rPr lang="hu-HU" sz="2800" dirty="0" smtClean="0"/>
-              <a:t>minta</a:t>
+              <a:t> tervezési minta</a:t>
             </a:r>
             <a:endParaRPr lang="en-GB" sz="2800" dirty="0" smtClean="0"/>
           </a:p>
@@ -15848,15 +15933,7 @@
           <a:p>
             <a:r>
               <a:rPr lang="hu-HU" sz="2800" dirty="0" smtClean="0"/>
-              <a:t>MVVM </a:t>
-            </a:r>
-            <a:r>
-              <a:rPr lang="hu-HU" sz="2800" dirty="0" smtClean="0"/>
-              <a:t>tervezési </a:t>
-            </a:r>
-            <a:r>
-              <a:rPr lang="hu-HU" sz="2800" dirty="0" smtClean="0"/>
-              <a:t>minta</a:t>
+              <a:t>MVVM tervezési minta</a:t>
             </a:r>
             <a:r>
               <a:rPr lang="en-GB" sz="2800" dirty="0" smtClean="0"/>
@@ -15881,11 +15958,15 @@
             </a:r>
             <a:r>
               <a:rPr lang="en-GB" sz="2800" dirty="0" smtClean="0"/>
-              <a:t>, Bootstrap, </a:t>
-            </a:r>
-            <a:r>
-              <a:rPr lang="en-GB" sz="2800" dirty="0" err="1" smtClean="0"/>
-              <a:t>Jquery</a:t>
+              <a:t>, Bootstrap</a:t>
+            </a:r>
+            <a:r>
+              <a:rPr lang="en-GB" sz="2800" smtClean="0"/>
+              <a:t>, </a:t>
+            </a:r>
+            <a:r>
+              <a:rPr lang="en-GB" sz="2800" smtClean="0"/>
+              <a:t>JQuery</a:t>
             </a:r>
             <a:endParaRPr lang="en-GB" sz="2800" dirty="0" smtClean="0"/>
           </a:p>

--- a/docs/3. Presentation.pptx
+++ b/docs/3. Presentation.pptx
@@ -4,6 +4,9 @@
   <p:sldMasterIdLst>
     <p:sldMasterId id="2147483677" r:id="rId1"/>
   </p:sldMasterIdLst>
+  <p:notesMasterIdLst>
+    <p:notesMasterId r:id="rId19"/>
+  </p:notesMasterIdLst>
   <p:sldIdLst>
     <p:sldId id="256" r:id="rId2"/>
     <p:sldId id="262" r:id="rId3"/>
@@ -4451,6 +4454,656 @@
 </dgm:styleDef>
 </file>
 
+<file path=ppt/notesMasters/notesMaster1.xml><?xml version="1.0" encoding="utf-8"?>
+<p:notesMaster xmlns:a="http://schemas.openxmlformats.org/drawingml/2006/main" xmlns:r="http://schemas.openxmlformats.org/officeDocument/2006/relationships" xmlns:p="http://schemas.openxmlformats.org/presentationml/2006/main">
+  <p:cSld>
+    <p:bg>
+      <p:bgRef idx="1001">
+        <a:schemeClr val="bg1"/>
+      </p:bgRef>
+    </p:bg>
+    <p:spTree>
+      <p:nvGrpSpPr>
+        <p:cNvPr id="1" name=""/>
+        <p:cNvGrpSpPr/>
+        <p:nvPr/>
+      </p:nvGrpSpPr>
+      <p:grpSpPr>
+        <a:xfrm>
+          <a:off x="0" y="0"/>
+          <a:ext cx="0" cy="0"/>
+          <a:chOff x="0" y="0"/>
+          <a:chExt cx="0" cy="0"/>
+        </a:xfrm>
+      </p:grpSpPr>
+      <p:sp>
+        <p:nvSpPr>
+          <p:cNvPr id="2" name="Header Placeholder 1"/>
+          <p:cNvSpPr>
+            <a:spLocks noGrp="1"/>
+          </p:cNvSpPr>
+          <p:nvPr>
+            <p:ph type="hdr" sz="quarter"/>
+          </p:nvPr>
+        </p:nvSpPr>
+        <p:spPr>
+          <a:xfrm>
+            <a:off x="0" y="0"/>
+            <a:ext cx="2971800" cy="458788"/>
+          </a:xfrm>
+          <a:prstGeom prst="rect">
+            <a:avLst/>
+          </a:prstGeom>
+        </p:spPr>
+        <p:txBody>
+          <a:bodyPr vert="horz" lIns="91440" tIns="45720" rIns="91440" bIns="45720" rtlCol="0"/>
+          <a:lstStyle>
+            <a:lvl1pPr algn="l">
+              <a:defRPr sz="1200"/>
+            </a:lvl1pPr>
+          </a:lstStyle>
+          <a:p>
+            <a:endParaRPr lang="en-GB"/>
+          </a:p>
+        </p:txBody>
+      </p:sp>
+      <p:sp>
+        <p:nvSpPr>
+          <p:cNvPr id="3" name="Date Placeholder 2"/>
+          <p:cNvSpPr>
+            <a:spLocks noGrp="1"/>
+          </p:cNvSpPr>
+          <p:nvPr>
+            <p:ph type="dt" idx="1"/>
+          </p:nvPr>
+        </p:nvSpPr>
+        <p:spPr>
+          <a:xfrm>
+            <a:off x="3884613" y="0"/>
+            <a:ext cx="2971800" cy="458788"/>
+          </a:xfrm>
+          <a:prstGeom prst="rect">
+            <a:avLst/>
+          </a:prstGeom>
+        </p:spPr>
+        <p:txBody>
+          <a:bodyPr vert="horz" lIns="91440" tIns="45720" rIns="91440" bIns="45720" rtlCol="0"/>
+          <a:lstStyle>
+            <a:lvl1pPr algn="r">
+              <a:defRPr sz="1200"/>
+            </a:lvl1pPr>
+          </a:lstStyle>
+          <a:p>
+            <a:fld id="{F438C759-865B-4972-B103-32B799F2B4B4}" type="datetimeFigureOut">
+              <a:rPr lang="en-GB" smtClean="0"/>
+              <a:t>05/12/2014</a:t>
+            </a:fld>
+            <a:endParaRPr lang="en-GB"/>
+          </a:p>
+        </p:txBody>
+      </p:sp>
+      <p:sp>
+        <p:nvSpPr>
+          <p:cNvPr id="4" name="Slide Image Placeholder 3"/>
+          <p:cNvSpPr>
+            <a:spLocks noGrp="1" noRot="1" noChangeAspect="1"/>
+          </p:cNvSpPr>
+          <p:nvPr>
+            <p:ph type="sldImg" idx="2"/>
+          </p:nvPr>
+        </p:nvSpPr>
+        <p:spPr>
+          <a:xfrm>
+            <a:off x="1371600" y="1143000"/>
+            <a:ext cx="4114800" cy="3086100"/>
+          </a:xfrm>
+          <a:prstGeom prst="rect">
+            <a:avLst/>
+          </a:prstGeom>
+          <a:noFill/>
+          <a:ln w="12700">
+            <a:solidFill>
+              <a:prstClr val="black"/>
+            </a:solidFill>
+          </a:ln>
+        </p:spPr>
+        <p:txBody>
+          <a:bodyPr vert="horz" lIns="91440" tIns="45720" rIns="91440" bIns="45720" rtlCol="0" anchor="ctr"/>
+          <a:lstStyle/>
+          <a:p>
+            <a:endParaRPr lang="en-GB"/>
+          </a:p>
+        </p:txBody>
+      </p:sp>
+      <p:sp>
+        <p:nvSpPr>
+          <p:cNvPr id="5" name="Notes Placeholder 4"/>
+          <p:cNvSpPr>
+            <a:spLocks noGrp="1"/>
+          </p:cNvSpPr>
+          <p:nvPr>
+            <p:ph type="body" sz="quarter" idx="3"/>
+          </p:nvPr>
+        </p:nvSpPr>
+        <p:spPr>
+          <a:xfrm>
+            <a:off x="685800" y="4400550"/>
+            <a:ext cx="5486400" cy="3600450"/>
+          </a:xfrm>
+          <a:prstGeom prst="rect">
+            <a:avLst/>
+          </a:prstGeom>
+        </p:spPr>
+        <p:txBody>
+          <a:bodyPr vert="horz" lIns="91440" tIns="45720" rIns="91440" bIns="45720" rtlCol="0"/>
+          <a:lstStyle/>
+          <a:p>
+            <a:pPr lvl="0"/>
+            <a:r>
+              <a:rPr lang="en-US" smtClean="0"/>
+              <a:t>Click to edit Master text styles</a:t>
+            </a:r>
+          </a:p>
+          <a:p>
+            <a:pPr lvl="1"/>
+            <a:r>
+              <a:rPr lang="en-US" smtClean="0"/>
+              <a:t>Second level</a:t>
+            </a:r>
+          </a:p>
+          <a:p>
+            <a:pPr lvl="2"/>
+            <a:r>
+              <a:rPr lang="en-US" smtClean="0"/>
+              <a:t>Third level</a:t>
+            </a:r>
+          </a:p>
+          <a:p>
+            <a:pPr lvl="3"/>
+            <a:r>
+              <a:rPr lang="en-US" smtClean="0"/>
+              <a:t>Fourth level</a:t>
+            </a:r>
+          </a:p>
+          <a:p>
+            <a:pPr lvl="4"/>
+            <a:r>
+              <a:rPr lang="en-US" smtClean="0"/>
+              <a:t>Fifth level</a:t>
+            </a:r>
+            <a:endParaRPr lang="en-GB"/>
+          </a:p>
+        </p:txBody>
+      </p:sp>
+      <p:sp>
+        <p:nvSpPr>
+          <p:cNvPr id="6" name="Footer Placeholder 5"/>
+          <p:cNvSpPr>
+            <a:spLocks noGrp="1"/>
+          </p:cNvSpPr>
+          <p:nvPr>
+            <p:ph type="ftr" sz="quarter" idx="4"/>
+          </p:nvPr>
+        </p:nvSpPr>
+        <p:spPr>
+          <a:xfrm>
+            <a:off x="0" y="8685213"/>
+            <a:ext cx="2971800" cy="458787"/>
+          </a:xfrm>
+          <a:prstGeom prst="rect">
+            <a:avLst/>
+          </a:prstGeom>
+        </p:spPr>
+        <p:txBody>
+          <a:bodyPr vert="horz" lIns="91440" tIns="45720" rIns="91440" bIns="45720" rtlCol="0" anchor="b"/>
+          <a:lstStyle>
+            <a:lvl1pPr algn="l">
+              <a:defRPr sz="1200"/>
+            </a:lvl1pPr>
+          </a:lstStyle>
+          <a:p>
+            <a:endParaRPr lang="en-GB"/>
+          </a:p>
+        </p:txBody>
+      </p:sp>
+      <p:sp>
+        <p:nvSpPr>
+          <p:cNvPr id="7" name="Slide Number Placeholder 6"/>
+          <p:cNvSpPr>
+            <a:spLocks noGrp="1"/>
+          </p:cNvSpPr>
+          <p:nvPr>
+            <p:ph type="sldNum" sz="quarter" idx="5"/>
+          </p:nvPr>
+        </p:nvSpPr>
+        <p:spPr>
+          <a:xfrm>
+            <a:off x="3884613" y="8685213"/>
+            <a:ext cx="2971800" cy="458787"/>
+          </a:xfrm>
+          <a:prstGeom prst="rect">
+            <a:avLst/>
+          </a:prstGeom>
+        </p:spPr>
+        <p:txBody>
+          <a:bodyPr vert="horz" lIns="91440" tIns="45720" rIns="91440" bIns="45720" rtlCol="0" anchor="b"/>
+          <a:lstStyle>
+            <a:lvl1pPr algn="r">
+              <a:defRPr sz="1200"/>
+            </a:lvl1pPr>
+          </a:lstStyle>
+          <a:p>
+            <a:fld id="{1F82F4C3-F488-401A-A256-0E5EC8906D2A}" type="slidenum">
+              <a:rPr lang="en-GB" smtClean="0"/>
+              <a:t>‹#›</a:t>
+            </a:fld>
+            <a:endParaRPr lang="en-GB"/>
+          </a:p>
+        </p:txBody>
+      </p:sp>
+    </p:spTree>
+    <p:extLst>
+      <p:ext uri="{BB962C8B-B14F-4D97-AF65-F5344CB8AC3E}">
+        <p14:creationId xmlns:p14="http://schemas.microsoft.com/office/powerpoint/2010/main" val="393470704"/>
+      </p:ext>
+    </p:extLst>
+  </p:cSld>
+  <p:clrMap bg1="lt1" tx1="dk1" bg2="lt2" tx2="dk2" accent1="accent1" accent2="accent2" accent3="accent3" accent4="accent4" accent5="accent5" accent6="accent6" hlink="hlink" folHlink="folHlink"/>
+  <p:notesStyle>
+    <a:lvl1pPr marL="0" algn="l" defTabSz="914400" rtl="0" eaLnBrk="1" latinLnBrk="0" hangingPunct="1">
+      <a:defRPr sz="1200" kern="1200">
+        <a:solidFill>
+          <a:schemeClr val="tx1"/>
+        </a:solidFill>
+        <a:latin typeface="+mn-lt"/>
+        <a:ea typeface="+mn-ea"/>
+        <a:cs typeface="+mn-cs"/>
+      </a:defRPr>
+    </a:lvl1pPr>
+    <a:lvl2pPr marL="457200" algn="l" defTabSz="914400" rtl="0" eaLnBrk="1" latinLnBrk="0" hangingPunct="1">
+      <a:defRPr sz="1200" kern="1200">
+        <a:solidFill>
+          <a:schemeClr val="tx1"/>
+        </a:solidFill>
+        <a:latin typeface="+mn-lt"/>
+        <a:ea typeface="+mn-ea"/>
+        <a:cs typeface="+mn-cs"/>
+      </a:defRPr>
+    </a:lvl2pPr>
+    <a:lvl3pPr marL="914400" algn="l" defTabSz="914400" rtl="0" eaLnBrk="1" latinLnBrk="0" hangingPunct="1">
+      <a:defRPr sz="1200" kern="1200">
+        <a:solidFill>
+          <a:schemeClr val="tx1"/>
+        </a:solidFill>
+        <a:latin typeface="+mn-lt"/>
+        <a:ea typeface="+mn-ea"/>
+        <a:cs typeface="+mn-cs"/>
+      </a:defRPr>
+    </a:lvl3pPr>
+    <a:lvl4pPr marL="1371600" algn="l" defTabSz="914400" rtl="0" eaLnBrk="1" latinLnBrk="0" hangingPunct="1">
+      <a:defRPr sz="1200" kern="1200">
+        <a:solidFill>
+          <a:schemeClr val="tx1"/>
+        </a:solidFill>
+        <a:latin typeface="+mn-lt"/>
+        <a:ea typeface="+mn-ea"/>
+        <a:cs typeface="+mn-cs"/>
+      </a:defRPr>
+    </a:lvl4pPr>
+    <a:lvl5pPr marL="1828800" algn="l" defTabSz="914400" rtl="0" eaLnBrk="1" latinLnBrk="0" hangingPunct="1">
+      <a:defRPr sz="1200" kern="1200">
+        <a:solidFill>
+          <a:schemeClr val="tx1"/>
+        </a:solidFill>
+        <a:latin typeface="+mn-lt"/>
+        <a:ea typeface="+mn-ea"/>
+        <a:cs typeface="+mn-cs"/>
+      </a:defRPr>
+    </a:lvl5pPr>
+    <a:lvl6pPr marL="2286000" algn="l" defTabSz="914400" rtl="0" eaLnBrk="1" latinLnBrk="0" hangingPunct="1">
+      <a:defRPr sz="1200" kern="1200">
+        <a:solidFill>
+          <a:schemeClr val="tx1"/>
+        </a:solidFill>
+        <a:latin typeface="+mn-lt"/>
+        <a:ea typeface="+mn-ea"/>
+        <a:cs typeface="+mn-cs"/>
+      </a:defRPr>
+    </a:lvl6pPr>
+    <a:lvl7pPr marL="2743200" algn="l" defTabSz="914400" rtl="0" eaLnBrk="1" latinLnBrk="0" hangingPunct="1">
+      <a:defRPr sz="1200" kern="1200">
+        <a:solidFill>
+          <a:schemeClr val="tx1"/>
+        </a:solidFill>
+        <a:latin typeface="+mn-lt"/>
+        <a:ea typeface="+mn-ea"/>
+        <a:cs typeface="+mn-cs"/>
+      </a:defRPr>
+    </a:lvl7pPr>
+    <a:lvl8pPr marL="3200400" algn="l" defTabSz="914400" rtl="0" eaLnBrk="1" latinLnBrk="0" hangingPunct="1">
+      <a:defRPr sz="1200" kern="1200">
+        <a:solidFill>
+          <a:schemeClr val="tx1"/>
+        </a:solidFill>
+        <a:latin typeface="+mn-lt"/>
+        <a:ea typeface="+mn-ea"/>
+        <a:cs typeface="+mn-cs"/>
+      </a:defRPr>
+    </a:lvl8pPr>
+    <a:lvl9pPr marL="3657600" algn="l" defTabSz="914400" rtl="0" eaLnBrk="1" latinLnBrk="0" hangingPunct="1">
+      <a:defRPr sz="1200" kern="1200">
+        <a:solidFill>
+          <a:schemeClr val="tx1"/>
+        </a:solidFill>
+        <a:latin typeface="+mn-lt"/>
+        <a:ea typeface="+mn-ea"/>
+        <a:cs typeface="+mn-cs"/>
+      </a:defRPr>
+    </a:lvl9pPr>
+  </p:notesStyle>
+</p:notesMaster>
+</file>
+
+<file path=ppt/notesSlides/notesSlide1.xml><?xml version="1.0" encoding="utf-8"?>
+<p:notes xmlns:a="http://schemas.openxmlformats.org/drawingml/2006/main" xmlns:r="http://schemas.openxmlformats.org/officeDocument/2006/relationships" xmlns:p="http://schemas.openxmlformats.org/presentationml/2006/main">
+  <p:cSld>
+    <p:spTree>
+      <p:nvGrpSpPr>
+        <p:cNvPr id="1" name=""/>
+        <p:cNvGrpSpPr/>
+        <p:nvPr/>
+      </p:nvGrpSpPr>
+      <p:grpSpPr>
+        <a:xfrm>
+          <a:off x="0" y="0"/>
+          <a:ext cx="0" cy="0"/>
+          <a:chOff x="0" y="0"/>
+          <a:chExt cx="0" cy="0"/>
+        </a:xfrm>
+      </p:grpSpPr>
+      <p:sp>
+        <p:nvSpPr>
+          <p:cNvPr id="2" name="Slide Image Placeholder 1"/>
+          <p:cNvSpPr>
+            <a:spLocks noGrp="1" noRot="1" noChangeAspect="1"/>
+          </p:cNvSpPr>
+          <p:nvPr>
+            <p:ph type="sldImg"/>
+          </p:nvPr>
+        </p:nvSpPr>
+        <p:spPr/>
+      </p:sp>
+      <p:sp>
+        <p:nvSpPr>
+          <p:cNvPr id="3" name="Notes Placeholder 2"/>
+          <p:cNvSpPr>
+            <a:spLocks noGrp="1"/>
+          </p:cNvSpPr>
+          <p:nvPr>
+            <p:ph type="body" idx="1"/>
+          </p:nvPr>
+        </p:nvSpPr>
+        <p:spPr/>
+        <p:txBody>
+          <a:bodyPr/>
+          <a:lstStyle/>
+          <a:p>
+            <a:r>
+              <a:rPr lang="en-GB" dirty="0" smtClean="0"/>
+              <a:t>UX: </a:t>
+            </a:r>
+            <a:r>
+              <a:rPr lang="en-GB" dirty="0" err="1" smtClean="0"/>
+              <a:t>perszóna</a:t>
+            </a:r>
+            <a:r>
+              <a:rPr lang="en-GB" dirty="0" smtClean="0"/>
+              <a:t>, </a:t>
+            </a:r>
+            <a:r>
+              <a:rPr lang="en-GB" dirty="0" err="1" smtClean="0"/>
+              <a:t>szkenárió</a:t>
+            </a:r>
+            <a:r>
+              <a:rPr lang="en-GB" dirty="0" smtClean="0"/>
+              <a:t>, </a:t>
+            </a:r>
+            <a:r>
+              <a:rPr lang="en-GB" dirty="0" err="1" smtClean="0"/>
+              <a:t>mockup</a:t>
+            </a:r>
+            <a:endParaRPr lang="en-GB" dirty="0"/>
+          </a:p>
+        </p:txBody>
+      </p:sp>
+      <p:sp>
+        <p:nvSpPr>
+          <p:cNvPr id="4" name="Slide Number Placeholder 3"/>
+          <p:cNvSpPr>
+            <a:spLocks noGrp="1"/>
+          </p:cNvSpPr>
+          <p:nvPr>
+            <p:ph type="sldNum" sz="quarter" idx="10"/>
+          </p:nvPr>
+        </p:nvSpPr>
+        <p:spPr/>
+        <p:txBody>
+          <a:bodyPr/>
+          <a:lstStyle/>
+          <a:p>
+            <a:fld id="{1F82F4C3-F488-401A-A256-0E5EC8906D2A}" type="slidenum">
+              <a:rPr lang="en-GB" smtClean="0"/>
+              <a:t>9</a:t>
+            </a:fld>
+            <a:endParaRPr lang="en-GB"/>
+          </a:p>
+        </p:txBody>
+      </p:sp>
+    </p:spTree>
+    <p:extLst>
+      <p:ext uri="{BB962C8B-B14F-4D97-AF65-F5344CB8AC3E}">
+        <p14:creationId xmlns:p14="http://schemas.microsoft.com/office/powerpoint/2010/main" val="2466624616"/>
+      </p:ext>
+    </p:extLst>
+  </p:cSld>
+  <p:clrMapOvr>
+    <a:masterClrMapping/>
+  </p:clrMapOvr>
+</p:notes>
+</file>
+
+<file path=ppt/notesSlides/notesSlide2.xml><?xml version="1.0" encoding="utf-8"?>
+<p:notes xmlns:a="http://schemas.openxmlformats.org/drawingml/2006/main" xmlns:r="http://schemas.openxmlformats.org/officeDocument/2006/relationships" xmlns:p="http://schemas.openxmlformats.org/presentationml/2006/main">
+  <p:cSld>
+    <p:spTree>
+      <p:nvGrpSpPr>
+        <p:cNvPr id="1" name=""/>
+        <p:cNvGrpSpPr/>
+        <p:nvPr/>
+      </p:nvGrpSpPr>
+      <p:grpSpPr>
+        <a:xfrm>
+          <a:off x="0" y="0"/>
+          <a:ext cx="0" cy="0"/>
+          <a:chOff x="0" y="0"/>
+          <a:chExt cx="0" cy="0"/>
+        </a:xfrm>
+      </p:grpSpPr>
+      <p:sp>
+        <p:nvSpPr>
+          <p:cNvPr id="2" name="Slide Image Placeholder 1"/>
+          <p:cNvSpPr>
+            <a:spLocks noGrp="1" noRot="1" noChangeAspect="1"/>
+          </p:cNvSpPr>
+          <p:nvPr>
+            <p:ph type="sldImg"/>
+          </p:nvPr>
+        </p:nvSpPr>
+        <p:spPr/>
+      </p:sp>
+      <p:sp>
+        <p:nvSpPr>
+          <p:cNvPr id="3" name="Notes Placeholder 2"/>
+          <p:cNvSpPr>
+            <a:spLocks noGrp="1"/>
+          </p:cNvSpPr>
+          <p:nvPr>
+            <p:ph type="body" idx="1"/>
+          </p:nvPr>
+        </p:nvSpPr>
+        <p:spPr/>
+        <p:txBody>
+          <a:bodyPr/>
+          <a:lstStyle/>
+          <a:p>
+            <a:endParaRPr lang="en-GB" dirty="0"/>
+          </a:p>
+        </p:txBody>
+      </p:sp>
+      <p:sp>
+        <p:nvSpPr>
+          <p:cNvPr id="4" name="Slide Number Placeholder 3"/>
+          <p:cNvSpPr>
+            <a:spLocks noGrp="1"/>
+          </p:cNvSpPr>
+          <p:nvPr>
+            <p:ph type="sldNum" sz="quarter" idx="10"/>
+          </p:nvPr>
+        </p:nvSpPr>
+        <p:spPr/>
+        <p:txBody>
+          <a:bodyPr/>
+          <a:lstStyle/>
+          <a:p>
+            <a:fld id="{1F82F4C3-F488-401A-A256-0E5EC8906D2A}" type="slidenum">
+              <a:rPr lang="en-GB" smtClean="0"/>
+              <a:t>11</a:t>
+            </a:fld>
+            <a:endParaRPr lang="en-GB"/>
+          </a:p>
+        </p:txBody>
+      </p:sp>
+    </p:spTree>
+    <p:extLst>
+      <p:ext uri="{BB962C8B-B14F-4D97-AF65-F5344CB8AC3E}">
+        <p14:creationId xmlns:p14="http://schemas.microsoft.com/office/powerpoint/2010/main" val="2645505465"/>
+      </p:ext>
+    </p:extLst>
+  </p:cSld>
+  <p:clrMapOvr>
+    <a:masterClrMapping/>
+  </p:clrMapOvr>
+</p:notes>
+</file>
+
+<file path=ppt/notesSlides/notesSlide3.xml><?xml version="1.0" encoding="utf-8"?>
+<p:notes xmlns:a="http://schemas.openxmlformats.org/drawingml/2006/main" xmlns:r="http://schemas.openxmlformats.org/officeDocument/2006/relationships" xmlns:p="http://schemas.openxmlformats.org/presentationml/2006/main">
+  <p:cSld>
+    <p:spTree>
+      <p:nvGrpSpPr>
+        <p:cNvPr id="1" name=""/>
+        <p:cNvGrpSpPr/>
+        <p:nvPr/>
+      </p:nvGrpSpPr>
+      <p:grpSpPr>
+        <a:xfrm>
+          <a:off x="0" y="0"/>
+          <a:ext cx="0" cy="0"/>
+          <a:chOff x="0" y="0"/>
+          <a:chExt cx="0" cy="0"/>
+        </a:xfrm>
+      </p:grpSpPr>
+      <p:sp>
+        <p:nvSpPr>
+          <p:cNvPr id="2" name="Slide Image Placeholder 1"/>
+          <p:cNvSpPr>
+            <a:spLocks noGrp="1" noRot="1" noChangeAspect="1"/>
+          </p:cNvSpPr>
+          <p:nvPr>
+            <p:ph type="sldImg"/>
+          </p:nvPr>
+        </p:nvSpPr>
+        <p:spPr/>
+      </p:sp>
+      <p:sp>
+        <p:nvSpPr>
+          <p:cNvPr id="3" name="Notes Placeholder 2"/>
+          <p:cNvSpPr>
+            <a:spLocks noGrp="1"/>
+          </p:cNvSpPr>
+          <p:nvPr>
+            <p:ph type="body" idx="1"/>
+          </p:nvPr>
+        </p:nvSpPr>
+        <p:spPr/>
+        <p:txBody>
+          <a:bodyPr/>
+          <a:lstStyle/>
+          <a:p>
+            <a:r>
+              <a:rPr lang="en-GB" dirty="0" smtClean="0"/>
+              <a:t>+</a:t>
+            </a:r>
+            <a:r>
+              <a:rPr lang="en-GB" dirty="0" err="1" smtClean="0"/>
+              <a:t>Továbbfejlesztési</a:t>
+            </a:r>
+            <a:r>
+              <a:rPr lang="en-GB" dirty="0" smtClean="0"/>
+              <a:t> </a:t>
+            </a:r>
+            <a:r>
+              <a:rPr lang="en-GB" dirty="0" err="1" smtClean="0"/>
+              <a:t>tervekről</a:t>
+            </a:r>
+            <a:r>
+              <a:rPr lang="en-GB" dirty="0" smtClean="0"/>
+              <a:t> </a:t>
+            </a:r>
+            <a:r>
+              <a:rPr lang="en-GB" smtClean="0"/>
+              <a:t>is beszélj</a:t>
+            </a:r>
+            <a:endParaRPr lang="en-GB"/>
+          </a:p>
+        </p:txBody>
+      </p:sp>
+      <p:sp>
+        <p:nvSpPr>
+          <p:cNvPr id="4" name="Slide Number Placeholder 3"/>
+          <p:cNvSpPr>
+            <a:spLocks noGrp="1"/>
+          </p:cNvSpPr>
+          <p:nvPr>
+            <p:ph type="sldNum" sz="quarter" idx="10"/>
+          </p:nvPr>
+        </p:nvSpPr>
+        <p:spPr/>
+        <p:txBody>
+          <a:bodyPr/>
+          <a:lstStyle/>
+          <a:p>
+            <a:fld id="{1F82F4C3-F488-401A-A256-0E5EC8906D2A}" type="slidenum">
+              <a:rPr lang="en-GB" smtClean="0"/>
+              <a:t>15</a:t>
+            </a:fld>
+            <a:endParaRPr lang="en-GB"/>
+          </a:p>
+        </p:txBody>
+      </p:sp>
+    </p:spTree>
+    <p:extLst>
+      <p:ext uri="{BB962C8B-B14F-4D97-AF65-F5344CB8AC3E}">
+        <p14:creationId xmlns:p14="http://schemas.microsoft.com/office/powerpoint/2010/main" val="2971165555"/>
+      </p:ext>
+    </p:extLst>
+  </p:cSld>
+  <p:clrMapOvr>
+    <a:masterClrMapping/>
+  </p:clrMapOvr>
+</p:notes>
+</file>
+
 <file path=ppt/slideLayouts/slideLayout1.xml><?xml version="1.0" encoding="utf-8"?>
 <p:sldLayout xmlns:a="http://schemas.openxmlformats.org/drawingml/2006/main" xmlns:r="http://schemas.openxmlformats.org/officeDocument/2006/relationships" xmlns:p="http://schemas.openxmlformats.org/presentationml/2006/main" type="title" preserve="1">
   <p:cSld name="Címdia">
@@ -4639,7 +5292,7 @@
           <a:p>
             <a:fld id="{BC16C0FC-EFB7-9A40-8BE9-D6AA9A29B201}" type="datetimeFigureOut">
               <a:rPr lang="en-US" smtClean="0"/>
-              <a:t>12/4/2014</a:t>
+              <a:t>12/5/2014</a:t>
             </a:fld>
             <a:endParaRPr lang="en-US"/>
           </a:p>
@@ -4971,7 +5624,7 @@
           <a:p>
             <a:fld id="{BC16C0FC-EFB7-9A40-8BE9-D6AA9A29B201}" type="datetimeFigureOut">
               <a:rPr lang="en-US" smtClean="0"/>
-              <a:t>12/4/2014</a:t>
+              <a:t>12/5/2014</a:t>
             </a:fld>
             <a:endParaRPr lang="en-US"/>
           </a:p>
@@ -5370,7 +6023,7 @@
           <a:p>
             <a:fld id="{BC16C0FC-EFB7-9A40-8BE9-D6AA9A29B201}" type="datetimeFigureOut">
               <a:rPr lang="en-US" smtClean="0"/>
-              <a:t>12/4/2014</a:t>
+              <a:t>12/5/2014</a:t>
             </a:fld>
             <a:endParaRPr lang="en-US"/>
           </a:p>
@@ -5704,7 +6357,7 @@
           <a:p>
             <a:fld id="{BC16C0FC-EFB7-9A40-8BE9-D6AA9A29B201}" type="datetimeFigureOut">
               <a:rPr lang="en-US" smtClean="0"/>
-              <a:t>12/4/2014</a:t>
+              <a:t>12/5/2014</a:t>
             </a:fld>
             <a:endParaRPr lang="en-US"/>
           </a:p>
@@ -6022,7 +6675,7 @@
           <a:p>
             <a:fld id="{BC16C0FC-EFB7-9A40-8BE9-D6AA9A29B201}" type="datetimeFigureOut">
               <a:rPr lang="en-US" smtClean="0"/>
-              <a:t>12/4/2014</a:t>
+              <a:t>12/5/2014</a:t>
             </a:fld>
             <a:endParaRPr lang="en-US"/>
           </a:p>
@@ -6416,7 +7069,7 @@
           <a:p>
             <a:fld id="{BC16C0FC-EFB7-9A40-8BE9-D6AA9A29B201}" type="datetimeFigureOut">
               <a:rPr lang="en-US" smtClean="0"/>
-              <a:t>12/4/2014</a:t>
+              <a:t>12/5/2014</a:t>
             </a:fld>
             <a:endParaRPr lang="en-US"/>
           </a:p>
@@ -6671,7 +7324,7 @@
           <a:p>
             <a:fld id="{BC16C0FC-EFB7-9A40-8BE9-D6AA9A29B201}" type="datetimeFigureOut">
               <a:rPr lang="en-US" smtClean="0"/>
-              <a:t>12/4/2014</a:t>
+              <a:t>12/5/2014</a:t>
             </a:fld>
             <a:endParaRPr lang="en-US"/>
           </a:p>
@@ -6931,7 +7584,7 @@
           <a:p>
             <a:fld id="{BC16C0FC-EFB7-9A40-8BE9-D6AA9A29B201}" type="datetimeFigureOut">
               <a:rPr lang="en-US" smtClean="0"/>
-              <a:t>12/4/2014</a:t>
+              <a:t>12/5/2014</a:t>
             </a:fld>
             <a:endParaRPr lang="en-US"/>
           </a:p>
@@ -7191,7 +7844,7 @@
           <a:p>
             <a:fld id="{BC16C0FC-EFB7-9A40-8BE9-D6AA9A29B201}" type="datetimeFigureOut">
               <a:rPr lang="en-US" smtClean="0"/>
-              <a:t>12/4/2014</a:t>
+              <a:t>12/5/2014</a:t>
             </a:fld>
             <a:endParaRPr lang="en-US"/>
           </a:p>
@@ -7518,7 +8171,7 @@
           <a:p>
             <a:fld id="{BC16C0FC-EFB7-9A40-8BE9-D6AA9A29B201}" type="datetimeFigureOut">
               <a:rPr lang="en-US" smtClean="0"/>
-              <a:t>12/4/2014</a:t>
+              <a:t>12/5/2014</a:t>
             </a:fld>
             <a:endParaRPr lang="en-US"/>
           </a:p>
@@ -7839,7 +8492,7 @@
           <a:p>
             <a:fld id="{BC16C0FC-EFB7-9A40-8BE9-D6AA9A29B201}" type="datetimeFigureOut">
               <a:rPr lang="en-US" smtClean="0"/>
-              <a:t>12/4/2014</a:t>
+              <a:t>12/5/2014</a:t>
             </a:fld>
             <a:endParaRPr lang="en-US"/>
           </a:p>
@@ -8294,7 +8947,7 @@
           <a:p>
             <a:fld id="{BC16C0FC-EFB7-9A40-8BE9-D6AA9A29B201}" type="datetimeFigureOut">
               <a:rPr lang="en-US" smtClean="0"/>
-              <a:t>12/4/2014</a:t>
+              <a:t>12/5/2014</a:t>
             </a:fld>
             <a:endParaRPr lang="en-US"/>
           </a:p>
@@ -8502,7 +9155,7 @@
           <a:p>
             <a:fld id="{BC16C0FC-EFB7-9A40-8BE9-D6AA9A29B201}" type="datetimeFigureOut">
               <a:rPr lang="en-US" smtClean="0"/>
-              <a:t>12/4/2014</a:t>
+              <a:t>12/5/2014</a:t>
             </a:fld>
             <a:endParaRPr lang="en-US"/>
           </a:p>
@@ -8677,7 +9330,7 @@
           <a:p>
             <a:fld id="{BC16C0FC-EFB7-9A40-8BE9-D6AA9A29B201}" type="datetimeFigureOut">
               <a:rPr lang="en-US" smtClean="0"/>
-              <a:t>12/4/2014</a:t>
+              <a:t>12/5/2014</a:t>
             </a:fld>
             <a:endParaRPr lang="en-US"/>
           </a:p>
@@ -9008,7 +9661,7 @@
           <a:p>
             <a:fld id="{BC16C0FC-EFB7-9A40-8BE9-D6AA9A29B201}" type="datetimeFigureOut">
               <a:rPr lang="en-US" smtClean="0"/>
-              <a:t>12/4/2014</a:t>
+              <a:t>12/5/2014</a:t>
             </a:fld>
             <a:endParaRPr lang="en-US"/>
           </a:p>
@@ -9351,7 +10004,7 @@
           <a:p>
             <a:fld id="{BC16C0FC-EFB7-9A40-8BE9-D6AA9A29B201}" type="datetimeFigureOut">
               <a:rPr lang="en-US" smtClean="0"/>
-              <a:t>12/4/2014</a:t>
+              <a:t>12/5/2014</a:t>
             </a:fld>
             <a:endParaRPr lang="en-US"/>
           </a:p>
@@ -11466,7 +12119,7 @@
           <a:p>
             <a:fld id="{BC16C0FC-EFB7-9A40-8BE9-D6AA9A29B201}" type="datetimeFigureOut">
               <a:rPr lang="en-US" smtClean="0"/>
-              <a:t>12/4/2014</a:t>
+              <a:t>12/5/2014</a:t>
             </a:fld>
             <a:endParaRPr lang="en-US"/>
           </a:p>
@@ -12371,7 +13024,7 @@
           <p:nvPr/>
         </p:nvPicPr>
         <p:blipFill>
-          <a:blip r:embed="rId2"/>
+          <a:blip r:embed="rId3"/>
           <a:stretch>
             <a:fillRect/>
           </a:stretch>
@@ -12395,7 +13048,7 @@
           <p:nvPr/>
         </p:nvPicPr>
         <p:blipFill>
-          <a:blip r:embed="rId3"/>
+          <a:blip r:embed="rId4"/>
           <a:stretch>
             <a:fillRect/>
           </a:stretch>
@@ -15962,11 +16615,7 @@
             </a:r>
             <a:r>
               <a:rPr lang="en-GB" sz="2800" smtClean="0"/>
-              <a:t>, </a:t>
-            </a:r>
-            <a:r>
-              <a:rPr lang="en-GB" sz="2800" smtClean="0"/>
-              <a:t>JQuery</a:t>
+              <a:t>, JQuery</a:t>
             </a:r>
             <a:endParaRPr lang="en-GB" sz="2800" dirty="0" smtClean="0"/>
           </a:p>
@@ -16369,4 +17018,265 @@
     </a:ext>
   </a:extLst>
 </a:theme>
+</file>
+
+<file path=ppt/theme/theme2.xml><?xml version="1.0" encoding="utf-8"?>
+<a:theme xmlns:a="http://schemas.openxmlformats.org/drawingml/2006/main" name="Office Theme">
+  <a:themeElements>
+    <a:clrScheme name="Office">
+      <a:dk1>
+        <a:sysClr val="windowText" lastClr="000000"/>
+      </a:dk1>
+      <a:lt1>
+        <a:sysClr val="window" lastClr="FFFFFF"/>
+      </a:lt1>
+      <a:dk2>
+        <a:srgbClr val="44546A"/>
+      </a:dk2>
+      <a:lt2>
+        <a:srgbClr val="E7E6E6"/>
+      </a:lt2>
+      <a:accent1>
+        <a:srgbClr val="5B9BD5"/>
+      </a:accent1>
+      <a:accent2>
+        <a:srgbClr val="ED7D31"/>
+      </a:accent2>
+      <a:accent3>
+        <a:srgbClr val="A5A5A5"/>
+      </a:accent3>
+      <a:accent4>
+        <a:srgbClr val="FFC000"/>
+      </a:accent4>
+      <a:accent5>
+        <a:srgbClr val="4472C4"/>
+      </a:accent5>
+      <a:accent6>
+        <a:srgbClr val="70AD47"/>
+      </a:accent6>
+      <a:hlink>
+        <a:srgbClr val="0563C1"/>
+      </a:hlink>
+      <a:folHlink>
+        <a:srgbClr val="954F72"/>
+      </a:folHlink>
+    </a:clrScheme>
+    <a:fontScheme name="Office">
+      <a:majorFont>
+        <a:latin typeface="Calibri Light" panose="020F0302020204030204"/>
+        <a:ea typeface=""/>
+        <a:cs typeface=""/>
+        <a:font script="Jpan" typeface="ＭＳ Ｐゴシック"/>
+        <a:font script="Hang" typeface="맑은 고딕"/>
+        <a:font script="Hans" typeface="宋体"/>
+        <a:font script="Hant" typeface="新細明體"/>
+        <a:font script="Arab" typeface="Times New Roman"/>
+        <a:font script="Hebr" typeface="Times New Roman"/>
+        <a:font script="Thai" typeface="Angsana New"/>
+        <a:font script="Ethi" typeface="Nyala"/>
+        <a:font script="Beng" typeface="Vrinda"/>
+        <a:font script="Gujr" typeface="Shruti"/>
+        <a:font script="Khmr" typeface="MoolBoran"/>
+        <a:font script="Knda" typeface="Tunga"/>
+        <a:font script="Guru" typeface="Raavi"/>
+        <a:font script="Cans" typeface="Euphemia"/>
+        <a:font script="Cher" typeface="Plantagenet Cherokee"/>
+        <a:font script="Yiii" typeface="Microsoft Yi Baiti"/>
+        <a:font script="Tibt" typeface="Microsoft Himalaya"/>
+        <a:font script="Thaa" typeface="MV Boli"/>
+        <a:font script="Deva" typeface="Mangal"/>
+        <a:font script="Telu" typeface="Gautami"/>
+        <a:font script="Taml" typeface="Latha"/>
+        <a:font script="Syrc" typeface="Estrangelo Edessa"/>
+        <a:font script="Orya" typeface="Kalinga"/>
+        <a:font script="Mlym" typeface="Kartika"/>
+        <a:font script="Laoo" typeface="DokChampa"/>
+        <a:font script="Sinh" typeface="Iskoola Pota"/>
+        <a:font script="Mong" typeface="Mongolian Baiti"/>
+        <a:font script="Viet" typeface="Times New Roman"/>
+        <a:font script="Uigh" typeface="Microsoft Uighur"/>
+        <a:font script="Geor" typeface="Sylfaen"/>
+      </a:majorFont>
+      <a:minorFont>
+        <a:latin typeface="Calibri" panose="020F0502020204030204"/>
+        <a:ea typeface=""/>
+        <a:cs typeface=""/>
+        <a:font script="Jpan" typeface="ＭＳ Ｐゴシック"/>
+        <a:font script="Hang" typeface="맑은 고딕"/>
+        <a:font script="Hans" typeface="宋体"/>
+        <a:font script="Hant" typeface="新細明體"/>
+        <a:font script="Arab" typeface="Arial"/>
+        <a:font script="Hebr" typeface="Arial"/>
+        <a:font script="Thai" typeface="Cordia New"/>
+        <a:font script="Ethi" typeface="Nyala"/>
+        <a:font script="Beng" typeface="Vrinda"/>
+        <a:font script="Gujr" typeface="Shruti"/>
+        <a:font script="Khmr" typeface="DaunPenh"/>
+        <a:font script="Knda" typeface="Tunga"/>
+        <a:font script="Guru" typeface="Raavi"/>
+        <a:font script="Cans" typeface="Euphemia"/>
+        <a:font script="Cher" typeface="Plantagenet Cherokee"/>
+        <a:font script="Yiii" typeface="Microsoft Yi Baiti"/>
+        <a:font script="Tibt" typeface="Microsoft Himalaya"/>
+        <a:font script="Thaa" typeface="MV Boli"/>
+        <a:font script="Deva" typeface="Mangal"/>
+        <a:font script="Telu" typeface="Gautami"/>
+        <a:font script="Taml" typeface="Latha"/>
+        <a:font script="Syrc" typeface="Estrangelo Edessa"/>
+        <a:font script="Orya" typeface="Kalinga"/>
+        <a:font script="Mlym" typeface="Kartika"/>
+        <a:font script="Laoo" typeface="DokChampa"/>
+        <a:font script="Sinh" typeface="Iskoola Pota"/>
+        <a:font script="Mong" typeface="Mongolian Baiti"/>
+        <a:font script="Viet" typeface="Arial"/>
+        <a:font script="Uigh" typeface="Microsoft Uighur"/>
+        <a:font script="Geor" typeface="Sylfaen"/>
+      </a:minorFont>
+    </a:fontScheme>
+    <a:fmtScheme name="Office">
+      <a:fillStyleLst>
+        <a:solidFill>
+          <a:schemeClr val="phClr"/>
+        </a:solidFill>
+        <a:gradFill rotWithShape="1">
+          <a:gsLst>
+            <a:gs pos="0">
+              <a:schemeClr val="phClr">
+                <a:lumMod val="110000"/>
+                <a:satMod val="105000"/>
+                <a:tint val="67000"/>
+              </a:schemeClr>
+            </a:gs>
+            <a:gs pos="50000">
+              <a:schemeClr val="phClr">
+                <a:lumMod val="105000"/>
+                <a:satMod val="103000"/>
+                <a:tint val="73000"/>
+              </a:schemeClr>
+            </a:gs>
+            <a:gs pos="100000">
+              <a:schemeClr val="phClr">
+                <a:lumMod val="105000"/>
+                <a:satMod val="109000"/>
+                <a:tint val="81000"/>
+              </a:schemeClr>
+            </a:gs>
+          </a:gsLst>
+          <a:lin ang="5400000" scaled="0"/>
+        </a:gradFill>
+        <a:gradFill rotWithShape="1">
+          <a:gsLst>
+            <a:gs pos="0">
+              <a:schemeClr val="phClr">
+                <a:satMod val="103000"/>
+                <a:lumMod val="102000"/>
+                <a:tint val="94000"/>
+              </a:schemeClr>
+            </a:gs>
+            <a:gs pos="50000">
+              <a:schemeClr val="phClr">
+                <a:satMod val="110000"/>
+                <a:lumMod val="100000"/>
+                <a:shade val="100000"/>
+              </a:schemeClr>
+            </a:gs>
+            <a:gs pos="100000">
+              <a:schemeClr val="phClr">
+                <a:lumMod val="99000"/>
+                <a:satMod val="120000"/>
+                <a:shade val="78000"/>
+              </a:schemeClr>
+            </a:gs>
+          </a:gsLst>
+          <a:lin ang="5400000" scaled="0"/>
+        </a:gradFill>
+      </a:fillStyleLst>
+      <a:lnStyleLst>
+        <a:ln w="6350" cap="flat" cmpd="sng" algn="ctr">
+          <a:solidFill>
+            <a:schemeClr val="phClr"/>
+          </a:solidFill>
+          <a:prstDash val="solid"/>
+          <a:miter lim="800000"/>
+        </a:ln>
+        <a:ln w="12700" cap="flat" cmpd="sng" algn="ctr">
+          <a:solidFill>
+            <a:schemeClr val="phClr"/>
+          </a:solidFill>
+          <a:prstDash val="solid"/>
+          <a:miter lim="800000"/>
+        </a:ln>
+        <a:ln w="19050" cap="flat" cmpd="sng" algn="ctr">
+          <a:solidFill>
+            <a:schemeClr val="phClr"/>
+          </a:solidFill>
+          <a:prstDash val="solid"/>
+          <a:miter lim="800000"/>
+        </a:ln>
+      </a:lnStyleLst>
+      <a:effectStyleLst>
+        <a:effectStyle>
+          <a:effectLst/>
+        </a:effectStyle>
+        <a:effectStyle>
+          <a:effectLst/>
+        </a:effectStyle>
+        <a:effectStyle>
+          <a:effectLst>
+            <a:outerShdw blurRad="57150" dist="19050" dir="5400000" algn="ctr" rotWithShape="0">
+              <a:srgbClr val="000000">
+                <a:alpha val="63000"/>
+              </a:srgbClr>
+            </a:outerShdw>
+          </a:effectLst>
+        </a:effectStyle>
+      </a:effectStyleLst>
+      <a:bgFillStyleLst>
+        <a:solidFill>
+          <a:schemeClr val="phClr"/>
+        </a:solidFill>
+        <a:solidFill>
+          <a:schemeClr val="phClr">
+            <a:tint val="95000"/>
+            <a:satMod val="170000"/>
+          </a:schemeClr>
+        </a:solidFill>
+        <a:gradFill rotWithShape="1">
+          <a:gsLst>
+            <a:gs pos="0">
+              <a:schemeClr val="phClr">
+                <a:tint val="93000"/>
+                <a:satMod val="150000"/>
+                <a:shade val="98000"/>
+                <a:lumMod val="102000"/>
+              </a:schemeClr>
+            </a:gs>
+            <a:gs pos="50000">
+              <a:schemeClr val="phClr">
+                <a:tint val="98000"/>
+                <a:satMod val="130000"/>
+                <a:shade val="90000"/>
+                <a:lumMod val="103000"/>
+              </a:schemeClr>
+            </a:gs>
+            <a:gs pos="100000">
+              <a:schemeClr val="phClr">
+                <a:shade val="63000"/>
+                <a:satMod val="120000"/>
+              </a:schemeClr>
+            </a:gs>
+          </a:gsLst>
+          <a:lin ang="5400000" scaled="0"/>
+        </a:gradFill>
+      </a:bgFillStyleLst>
+    </a:fmtScheme>
+  </a:themeElements>
+  <a:objectDefaults/>
+  <a:extraClrSchemeLst/>
+  <a:extLst>
+    <a:ext uri="{05A4C25C-085E-4340-85A3-A5531E510DB2}">
+      <thm15:themeFamily xmlns:thm15="http://schemas.microsoft.com/office/thememl/2012/main" name="Office Theme" id="{62F939B6-93AF-4DB8-9C6B-D6C7DFDC589F}" vid="{4A3C46E8-61CC-4603-A589-7422A47A8E4A}"/>
+    </a:ext>
+  </a:extLst>
+</a:theme>
 </file>